--- a/ppt 16-9/1116.我的脚踏定了.pptx
+++ b/ppt 16-9/1116.我的脚踏定了.pptx
@@ -5,7 +5,7 @@
     <p:sldMasterId id="2147483648" r:id="rId1"/>
   </p:sldMasterIdLst>
   <p:sldIdLst>
-    <p:sldId id="590" r:id="rId2"/>
+    <p:sldId id="592" r:id="rId2"/>
   </p:sldIdLst>
   <p:sldSz cx="12192000" cy="6858000"/>
   <p:notesSz cx="6858000" cy="9144000"/>
@@ -129,7 +129,7 @@
           <p:cNvPr id="2" name="标题 1">
             <a:extLst>
               <a:ext uri="{FF2B5EF4-FFF2-40B4-BE49-F238E27FC236}">
-                <a16:creationId xmlns:a16="http://schemas.microsoft.com/office/drawing/2014/main" id="{EED40F70-F197-5FB8-6B9F-668A6F5DF3BA}"/>
+                <a16:creationId xmlns:a16="http://schemas.microsoft.com/office/drawing/2014/main" id="{15D25867-ED7E-20A5-798E-43DB16E96677}"/>
               </a:ext>
             </a:extLst>
           </p:cNvPr>
@@ -166,7 +166,7 @@
           <p:cNvPr id="3" name="副标题 2">
             <a:extLst>
               <a:ext uri="{FF2B5EF4-FFF2-40B4-BE49-F238E27FC236}">
-                <a16:creationId xmlns:a16="http://schemas.microsoft.com/office/drawing/2014/main" id="{5F9AE05E-F6B6-D196-1993-8D782FED99EC}"/>
+                <a16:creationId xmlns:a16="http://schemas.microsoft.com/office/drawing/2014/main" id="{E0B7FA18-D9A1-A913-717C-F2FE9CE80F5B}"/>
               </a:ext>
             </a:extLst>
           </p:cNvPr>
@@ -236,7 +236,7 @@
           <p:cNvPr id="4" name="日期占位符 3">
             <a:extLst>
               <a:ext uri="{FF2B5EF4-FFF2-40B4-BE49-F238E27FC236}">
-                <a16:creationId xmlns:a16="http://schemas.microsoft.com/office/drawing/2014/main" id="{0DA7070D-575A-FB4E-4B16-A77C3861A308}"/>
+                <a16:creationId xmlns:a16="http://schemas.microsoft.com/office/drawing/2014/main" id="{43165DC7-4C00-3C29-11B3-90A004C25175}"/>
               </a:ext>
             </a:extLst>
           </p:cNvPr>
@@ -252,7 +252,7 @@
           <a:bodyPr/>
           <a:lstStyle/>
           <a:p>
-            <a:fld id="{857A73F0-8D91-44B3-91AC-0544D6A27246}" type="datetimeFigureOut">
+            <a:fld id="{1D325D40-C499-4238-9E21-3BFC5978748D}" type="datetimeFigureOut">
               <a:rPr lang="zh-CN" altLang="en-US" smtClean="0"/>
               <a:t>2024/3/10</a:t>
             </a:fld>
@@ -265,7 +265,7 @@
           <p:cNvPr id="5" name="页脚占位符 4">
             <a:extLst>
               <a:ext uri="{FF2B5EF4-FFF2-40B4-BE49-F238E27FC236}">
-                <a16:creationId xmlns:a16="http://schemas.microsoft.com/office/drawing/2014/main" id="{AF3DF6C0-A51F-D61D-8654-CBB6296050ED}"/>
+                <a16:creationId xmlns:a16="http://schemas.microsoft.com/office/drawing/2014/main" id="{8303B1DF-16FB-4D92-F644-437FCB69FFFC}"/>
               </a:ext>
             </a:extLst>
           </p:cNvPr>
@@ -290,7 +290,7 @@
           <p:cNvPr id="6" name="灯片编号占位符 5">
             <a:extLst>
               <a:ext uri="{FF2B5EF4-FFF2-40B4-BE49-F238E27FC236}">
-                <a16:creationId xmlns:a16="http://schemas.microsoft.com/office/drawing/2014/main" id="{274B95FC-93AC-EE90-088B-E6D9A58264FC}"/>
+                <a16:creationId xmlns:a16="http://schemas.microsoft.com/office/drawing/2014/main" id="{DBCD7B6B-31D5-47E8-BBAF-2E723DB29AEA}"/>
               </a:ext>
             </a:extLst>
           </p:cNvPr>
@@ -306,7 +306,7 @@
           <a:bodyPr/>
           <a:lstStyle/>
           <a:p>
-            <a:fld id="{1724B91A-F90F-4EEF-94AC-37751F5DDAEE}" type="slidenum">
+            <a:fld id="{10C0C3D5-36C8-46F8-91C2-335CA769444F}" type="slidenum">
               <a:rPr lang="zh-CN" altLang="en-US" smtClean="0"/>
               <a:t>‹#›</a:t>
             </a:fld>
@@ -317,7 +317,7 @@
     </p:spTree>
     <p:extLst>
       <p:ext uri="{BB962C8B-B14F-4D97-AF65-F5344CB8AC3E}">
-        <p14:creationId xmlns:p14="http://schemas.microsoft.com/office/powerpoint/2010/main" val="3605914913"/>
+        <p14:creationId xmlns:p14="http://schemas.microsoft.com/office/powerpoint/2010/main" val="3336300389"/>
       </p:ext>
     </p:extLst>
   </p:cSld>
@@ -349,7 +349,7 @@
           <p:cNvPr id="2" name="标题 1">
             <a:extLst>
               <a:ext uri="{FF2B5EF4-FFF2-40B4-BE49-F238E27FC236}">
-                <a16:creationId xmlns:a16="http://schemas.microsoft.com/office/drawing/2014/main" id="{91209761-C951-9E30-DC8F-4F1870EF3873}"/>
+                <a16:creationId xmlns:a16="http://schemas.microsoft.com/office/drawing/2014/main" id="{2B74AE4B-AF85-64B5-AB3B-B90FD3B63D71}"/>
               </a:ext>
             </a:extLst>
           </p:cNvPr>
@@ -377,7 +377,7 @@
           <p:cNvPr id="3" name="竖排文字占位符 2">
             <a:extLst>
               <a:ext uri="{FF2B5EF4-FFF2-40B4-BE49-F238E27FC236}">
-                <a16:creationId xmlns:a16="http://schemas.microsoft.com/office/drawing/2014/main" id="{C25AE7A6-211C-14B2-3F5E-6FD81B0DF3F3}"/>
+                <a16:creationId xmlns:a16="http://schemas.microsoft.com/office/drawing/2014/main" id="{CDD24861-B765-4610-44C8-4DB2EF320D9E}"/>
               </a:ext>
             </a:extLst>
           </p:cNvPr>
@@ -434,7 +434,7 @@
           <p:cNvPr id="4" name="日期占位符 3">
             <a:extLst>
               <a:ext uri="{FF2B5EF4-FFF2-40B4-BE49-F238E27FC236}">
-                <a16:creationId xmlns:a16="http://schemas.microsoft.com/office/drawing/2014/main" id="{7838108E-8388-1978-9AD5-0ED75FB67B1C}"/>
+                <a16:creationId xmlns:a16="http://schemas.microsoft.com/office/drawing/2014/main" id="{211A2380-5B4D-767B-C587-4F176C58596C}"/>
               </a:ext>
             </a:extLst>
           </p:cNvPr>
@@ -450,7 +450,7 @@
           <a:bodyPr/>
           <a:lstStyle/>
           <a:p>
-            <a:fld id="{857A73F0-8D91-44B3-91AC-0544D6A27246}" type="datetimeFigureOut">
+            <a:fld id="{1D325D40-C499-4238-9E21-3BFC5978748D}" type="datetimeFigureOut">
               <a:rPr lang="zh-CN" altLang="en-US" smtClean="0"/>
               <a:t>2024/3/10</a:t>
             </a:fld>
@@ -463,7 +463,7 @@
           <p:cNvPr id="5" name="页脚占位符 4">
             <a:extLst>
               <a:ext uri="{FF2B5EF4-FFF2-40B4-BE49-F238E27FC236}">
-                <a16:creationId xmlns:a16="http://schemas.microsoft.com/office/drawing/2014/main" id="{57FB2B38-3785-A93A-7F98-EED76FF85553}"/>
+                <a16:creationId xmlns:a16="http://schemas.microsoft.com/office/drawing/2014/main" id="{3BD2833E-0963-8DA9-ADEF-01E4C0722B5E}"/>
               </a:ext>
             </a:extLst>
           </p:cNvPr>
@@ -488,7 +488,7 @@
           <p:cNvPr id="6" name="灯片编号占位符 5">
             <a:extLst>
               <a:ext uri="{FF2B5EF4-FFF2-40B4-BE49-F238E27FC236}">
-                <a16:creationId xmlns:a16="http://schemas.microsoft.com/office/drawing/2014/main" id="{34226202-35B2-3FC6-114C-C108B0CE03C2}"/>
+                <a16:creationId xmlns:a16="http://schemas.microsoft.com/office/drawing/2014/main" id="{AD6061A7-F6CD-ACA0-8CED-CF9864D48AA9}"/>
               </a:ext>
             </a:extLst>
           </p:cNvPr>
@@ -504,7 +504,7 @@
           <a:bodyPr/>
           <a:lstStyle/>
           <a:p>
-            <a:fld id="{1724B91A-F90F-4EEF-94AC-37751F5DDAEE}" type="slidenum">
+            <a:fld id="{10C0C3D5-36C8-46F8-91C2-335CA769444F}" type="slidenum">
               <a:rPr lang="zh-CN" altLang="en-US" smtClean="0"/>
               <a:t>‹#›</a:t>
             </a:fld>
@@ -515,7 +515,7 @@
     </p:spTree>
     <p:extLst>
       <p:ext uri="{BB962C8B-B14F-4D97-AF65-F5344CB8AC3E}">
-        <p14:creationId xmlns:p14="http://schemas.microsoft.com/office/powerpoint/2010/main" val="195162582"/>
+        <p14:creationId xmlns:p14="http://schemas.microsoft.com/office/powerpoint/2010/main" val="4169772500"/>
       </p:ext>
     </p:extLst>
   </p:cSld>
@@ -547,7 +547,7 @@
           <p:cNvPr id="2" name="竖排标题 1">
             <a:extLst>
               <a:ext uri="{FF2B5EF4-FFF2-40B4-BE49-F238E27FC236}">
-                <a16:creationId xmlns:a16="http://schemas.microsoft.com/office/drawing/2014/main" id="{E7A21E94-2870-51EA-FFB7-C1759B5156D9}"/>
+                <a16:creationId xmlns:a16="http://schemas.microsoft.com/office/drawing/2014/main" id="{A47024A3-9369-63ED-6D56-9CF32A14A231}"/>
               </a:ext>
             </a:extLst>
           </p:cNvPr>
@@ -580,7 +580,7 @@
           <p:cNvPr id="3" name="竖排文字占位符 2">
             <a:extLst>
               <a:ext uri="{FF2B5EF4-FFF2-40B4-BE49-F238E27FC236}">
-                <a16:creationId xmlns:a16="http://schemas.microsoft.com/office/drawing/2014/main" id="{9A1F394C-241B-3626-71FF-67240FFE8DAB}"/>
+                <a16:creationId xmlns:a16="http://schemas.microsoft.com/office/drawing/2014/main" id="{46A8E1DF-38B8-B63F-070C-FBDE3868C04F}"/>
               </a:ext>
             </a:extLst>
           </p:cNvPr>
@@ -642,7 +642,7 @@
           <p:cNvPr id="4" name="日期占位符 3">
             <a:extLst>
               <a:ext uri="{FF2B5EF4-FFF2-40B4-BE49-F238E27FC236}">
-                <a16:creationId xmlns:a16="http://schemas.microsoft.com/office/drawing/2014/main" id="{3B7F939D-E642-08A5-56DA-17310A6A6885}"/>
+                <a16:creationId xmlns:a16="http://schemas.microsoft.com/office/drawing/2014/main" id="{318BED1C-A7F4-308D-4A45-2BD6F6CD8D18}"/>
               </a:ext>
             </a:extLst>
           </p:cNvPr>
@@ -658,7 +658,7 @@
           <a:bodyPr/>
           <a:lstStyle/>
           <a:p>
-            <a:fld id="{857A73F0-8D91-44B3-91AC-0544D6A27246}" type="datetimeFigureOut">
+            <a:fld id="{1D325D40-C499-4238-9E21-3BFC5978748D}" type="datetimeFigureOut">
               <a:rPr lang="zh-CN" altLang="en-US" smtClean="0"/>
               <a:t>2024/3/10</a:t>
             </a:fld>
@@ -671,7 +671,7 @@
           <p:cNvPr id="5" name="页脚占位符 4">
             <a:extLst>
               <a:ext uri="{FF2B5EF4-FFF2-40B4-BE49-F238E27FC236}">
-                <a16:creationId xmlns:a16="http://schemas.microsoft.com/office/drawing/2014/main" id="{BC2C2239-FAE1-91D2-18D7-09E7CA7B82F0}"/>
+                <a16:creationId xmlns:a16="http://schemas.microsoft.com/office/drawing/2014/main" id="{59BBD6A8-74BC-D7C1-BF8F-2D517C977B24}"/>
               </a:ext>
             </a:extLst>
           </p:cNvPr>
@@ -696,7 +696,7 @@
           <p:cNvPr id="6" name="灯片编号占位符 5">
             <a:extLst>
               <a:ext uri="{FF2B5EF4-FFF2-40B4-BE49-F238E27FC236}">
-                <a16:creationId xmlns:a16="http://schemas.microsoft.com/office/drawing/2014/main" id="{515E2D77-5B9A-8D4A-7645-26D0366A00A2}"/>
+                <a16:creationId xmlns:a16="http://schemas.microsoft.com/office/drawing/2014/main" id="{E688F5B4-5A76-4F2C-2CA5-020A886D92E2}"/>
               </a:ext>
             </a:extLst>
           </p:cNvPr>
@@ -712,7 +712,7 @@
           <a:bodyPr/>
           <a:lstStyle/>
           <a:p>
-            <a:fld id="{1724B91A-F90F-4EEF-94AC-37751F5DDAEE}" type="slidenum">
+            <a:fld id="{10C0C3D5-36C8-46F8-91C2-335CA769444F}" type="slidenum">
               <a:rPr lang="zh-CN" altLang="en-US" smtClean="0"/>
               <a:t>‹#›</a:t>
             </a:fld>
@@ -723,7 +723,7 @@
     </p:spTree>
     <p:extLst>
       <p:ext uri="{BB962C8B-B14F-4D97-AF65-F5344CB8AC3E}">
-        <p14:creationId xmlns:p14="http://schemas.microsoft.com/office/powerpoint/2010/main" val="3281333620"/>
+        <p14:creationId xmlns:p14="http://schemas.microsoft.com/office/powerpoint/2010/main" val="214190074"/>
       </p:ext>
     </p:extLst>
   </p:cSld>
@@ -755,7 +755,7 @@
           <p:cNvPr id="2" name="标题 1">
             <a:extLst>
               <a:ext uri="{FF2B5EF4-FFF2-40B4-BE49-F238E27FC236}">
-                <a16:creationId xmlns:a16="http://schemas.microsoft.com/office/drawing/2014/main" id="{6892AEA0-9CF8-338D-1ED4-5FE311878A0C}"/>
+                <a16:creationId xmlns:a16="http://schemas.microsoft.com/office/drawing/2014/main" id="{8614B5E3-3431-C984-EA31-71469F8E3112}"/>
               </a:ext>
             </a:extLst>
           </p:cNvPr>
@@ -783,7 +783,7 @@
           <p:cNvPr id="3" name="内容占位符 2">
             <a:extLst>
               <a:ext uri="{FF2B5EF4-FFF2-40B4-BE49-F238E27FC236}">
-                <a16:creationId xmlns:a16="http://schemas.microsoft.com/office/drawing/2014/main" id="{93FE2469-C24D-F124-E752-1816A431DB0B}"/>
+                <a16:creationId xmlns:a16="http://schemas.microsoft.com/office/drawing/2014/main" id="{6D6CBB6F-ACA8-D430-373E-DC35FDB72A17}"/>
               </a:ext>
             </a:extLst>
           </p:cNvPr>
@@ -840,7 +840,7 @@
           <p:cNvPr id="4" name="日期占位符 3">
             <a:extLst>
               <a:ext uri="{FF2B5EF4-FFF2-40B4-BE49-F238E27FC236}">
-                <a16:creationId xmlns:a16="http://schemas.microsoft.com/office/drawing/2014/main" id="{7EE0F21B-EBF3-312D-D422-5A7D86A3B695}"/>
+                <a16:creationId xmlns:a16="http://schemas.microsoft.com/office/drawing/2014/main" id="{8E67683B-D247-0D68-A5D3-BF8D8085CE0D}"/>
               </a:ext>
             </a:extLst>
           </p:cNvPr>
@@ -856,7 +856,7 @@
           <a:bodyPr/>
           <a:lstStyle/>
           <a:p>
-            <a:fld id="{857A73F0-8D91-44B3-91AC-0544D6A27246}" type="datetimeFigureOut">
+            <a:fld id="{1D325D40-C499-4238-9E21-3BFC5978748D}" type="datetimeFigureOut">
               <a:rPr lang="zh-CN" altLang="en-US" smtClean="0"/>
               <a:t>2024/3/10</a:t>
             </a:fld>
@@ -869,7 +869,7 @@
           <p:cNvPr id="5" name="页脚占位符 4">
             <a:extLst>
               <a:ext uri="{FF2B5EF4-FFF2-40B4-BE49-F238E27FC236}">
-                <a16:creationId xmlns:a16="http://schemas.microsoft.com/office/drawing/2014/main" id="{9BD88198-3418-963E-0CA6-1F754C6E1D47}"/>
+                <a16:creationId xmlns:a16="http://schemas.microsoft.com/office/drawing/2014/main" id="{AE942332-BD54-4555-3FEA-BB1E927FDBBB}"/>
               </a:ext>
             </a:extLst>
           </p:cNvPr>
@@ -894,7 +894,7 @@
           <p:cNvPr id="6" name="灯片编号占位符 5">
             <a:extLst>
               <a:ext uri="{FF2B5EF4-FFF2-40B4-BE49-F238E27FC236}">
-                <a16:creationId xmlns:a16="http://schemas.microsoft.com/office/drawing/2014/main" id="{B5D9660D-586C-72E8-0A1C-B2B031C5999C}"/>
+                <a16:creationId xmlns:a16="http://schemas.microsoft.com/office/drawing/2014/main" id="{E3CD2E31-2F5A-B1EE-20DB-B2D41A79011B}"/>
               </a:ext>
             </a:extLst>
           </p:cNvPr>
@@ -910,7 +910,7 @@
           <a:bodyPr/>
           <a:lstStyle/>
           <a:p>
-            <a:fld id="{1724B91A-F90F-4EEF-94AC-37751F5DDAEE}" type="slidenum">
+            <a:fld id="{10C0C3D5-36C8-46F8-91C2-335CA769444F}" type="slidenum">
               <a:rPr lang="zh-CN" altLang="en-US" smtClean="0"/>
               <a:t>‹#›</a:t>
             </a:fld>
@@ -921,7 +921,7 @@
     </p:spTree>
     <p:extLst>
       <p:ext uri="{BB962C8B-B14F-4D97-AF65-F5344CB8AC3E}">
-        <p14:creationId xmlns:p14="http://schemas.microsoft.com/office/powerpoint/2010/main" val="4001617794"/>
+        <p14:creationId xmlns:p14="http://schemas.microsoft.com/office/powerpoint/2010/main" val="2920855834"/>
       </p:ext>
     </p:extLst>
   </p:cSld>
@@ -953,7 +953,7 @@
           <p:cNvPr id="2" name="标题 1">
             <a:extLst>
               <a:ext uri="{FF2B5EF4-FFF2-40B4-BE49-F238E27FC236}">
-                <a16:creationId xmlns:a16="http://schemas.microsoft.com/office/drawing/2014/main" id="{070B73D8-3CF4-E0D7-B14A-32A7DA5C6AF3}"/>
+                <a16:creationId xmlns:a16="http://schemas.microsoft.com/office/drawing/2014/main" id="{A5052B6C-C6BB-B5A1-7644-BCBB25A69766}"/>
               </a:ext>
             </a:extLst>
           </p:cNvPr>
@@ -990,7 +990,7 @@
           <p:cNvPr id="3" name="文本占位符 2">
             <a:extLst>
               <a:ext uri="{FF2B5EF4-FFF2-40B4-BE49-F238E27FC236}">
-                <a16:creationId xmlns:a16="http://schemas.microsoft.com/office/drawing/2014/main" id="{B8EB8C49-A754-042C-44D6-7FADD0399438}"/>
+                <a16:creationId xmlns:a16="http://schemas.microsoft.com/office/drawing/2014/main" id="{2E8D1101-84B5-4820-E000-80512215DA4B}"/>
               </a:ext>
             </a:extLst>
           </p:cNvPr>
@@ -1115,7 +1115,7 @@
           <p:cNvPr id="4" name="日期占位符 3">
             <a:extLst>
               <a:ext uri="{FF2B5EF4-FFF2-40B4-BE49-F238E27FC236}">
-                <a16:creationId xmlns:a16="http://schemas.microsoft.com/office/drawing/2014/main" id="{7A280BE8-6267-7C7B-07BF-482C88C0C4B1}"/>
+                <a16:creationId xmlns:a16="http://schemas.microsoft.com/office/drawing/2014/main" id="{92BE7169-C728-0028-E3F2-814CF05E2B2B}"/>
               </a:ext>
             </a:extLst>
           </p:cNvPr>
@@ -1131,7 +1131,7 @@
           <a:bodyPr/>
           <a:lstStyle/>
           <a:p>
-            <a:fld id="{857A73F0-8D91-44B3-91AC-0544D6A27246}" type="datetimeFigureOut">
+            <a:fld id="{1D325D40-C499-4238-9E21-3BFC5978748D}" type="datetimeFigureOut">
               <a:rPr lang="zh-CN" altLang="en-US" smtClean="0"/>
               <a:t>2024/3/10</a:t>
             </a:fld>
@@ -1144,7 +1144,7 @@
           <p:cNvPr id="5" name="页脚占位符 4">
             <a:extLst>
               <a:ext uri="{FF2B5EF4-FFF2-40B4-BE49-F238E27FC236}">
-                <a16:creationId xmlns:a16="http://schemas.microsoft.com/office/drawing/2014/main" id="{5181BC41-BB40-C897-95DA-12B8955D6EDD}"/>
+                <a16:creationId xmlns:a16="http://schemas.microsoft.com/office/drawing/2014/main" id="{FABD8869-89B7-CB86-BB9B-B7D2885B8D61}"/>
               </a:ext>
             </a:extLst>
           </p:cNvPr>
@@ -1169,7 +1169,7 @@
           <p:cNvPr id="6" name="灯片编号占位符 5">
             <a:extLst>
               <a:ext uri="{FF2B5EF4-FFF2-40B4-BE49-F238E27FC236}">
-                <a16:creationId xmlns:a16="http://schemas.microsoft.com/office/drawing/2014/main" id="{8948FA21-5241-43A0-2F2E-57272DF001EA}"/>
+                <a16:creationId xmlns:a16="http://schemas.microsoft.com/office/drawing/2014/main" id="{0C05F113-1DD2-D5C3-C847-EFF0526BD02F}"/>
               </a:ext>
             </a:extLst>
           </p:cNvPr>
@@ -1185,7 +1185,7 @@
           <a:bodyPr/>
           <a:lstStyle/>
           <a:p>
-            <a:fld id="{1724B91A-F90F-4EEF-94AC-37751F5DDAEE}" type="slidenum">
+            <a:fld id="{10C0C3D5-36C8-46F8-91C2-335CA769444F}" type="slidenum">
               <a:rPr lang="zh-CN" altLang="en-US" smtClean="0"/>
               <a:t>‹#›</a:t>
             </a:fld>
@@ -1196,7 +1196,7 @@
     </p:spTree>
     <p:extLst>
       <p:ext uri="{BB962C8B-B14F-4D97-AF65-F5344CB8AC3E}">
-        <p14:creationId xmlns:p14="http://schemas.microsoft.com/office/powerpoint/2010/main" val="3266193135"/>
+        <p14:creationId xmlns:p14="http://schemas.microsoft.com/office/powerpoint/2010/main" val="4104333294"/>
       </p:ext>
     </p:extLst>
   </p:cSld>
@@ -1228,7 +1228,7 @@
           <p:cNvPr id="2" name="标题 1">
             <a:extLst>
               <a:ext uri="{FF2B5EF4-FFF2-40B4-BE49-F238E27FC236}">
-                <a16:creationId xmlns:a16="http://schemas.microsoft.com/office/drawing/2014/main" id="{DAC40626-4602-0547-4BF5-28F639AAB55D}"/>
+                <a16:creationId xmlns:a16="http://schemas.microsoft.com/office/drawing/2014/main" id="{77146FBC-CFD6-A11E-394D-41223FDF7131}"/>
               </a:ext>
             </a:extLst>
           </p:cNvPr>
@@ -1256,7 +1256,7 @@
           <p:cNvPr id="3" name="内容占位符 2">
             <a:extLst>
               <a:ext uri="{FF2B5EF4-FFF2-40B4-BE49-F238E27FC236}">
-                <a16:creationId xmlns:a16="http://schemas.microsoft.com/office/drawing/2014/main" id="{B261A39E-E455-D3EE-F2C7-4AFE65FE6A35}"/>
+                <a16:creationId xmlns:a16="http://schemas.microsoft.com/office/drawing/2014/main" id="{9FEFCA37-F06C-1D78-3437-A5A0ED8E5B59}"/>
               </a:ext>
             </a:extLst>
           </p:cNvPr>
@@ -1318,7 +1318,7 @@
           <p:cNvPr id="4" name="内容占位符 3">
             <a:extLst>
               <a:ext uri="{FF2B5EF4-FFF2-40B4-BE49-F238E27FC236}">
-                <a16:creationId xmlns:a16="http://schemas.microsoft.com/office/drawing/2014/main" id="{CEBECCEF-A008-FD65-52B9-F4B36E8743F5}"/>
+                <a16:creationId xmlns:a16="http://schemas.microsoft.com/office/drawing/2014/main" id="{1AE3532A-44CA-BC4E-ED9D-254CE3D5E8A5}"/>
               </a:ext>
             </a:extLst>
           </p:cNvPr>
@@ -1380,7 +1380,7 @@
           <p:cNvPr id="5" name="日期占位符 4">
             <a:extLst>
               <a:ext uri="{FF2B5EF4-FFF2-40B4-BE49-F238E27FC236}">
-                <a16:creationId xmlns:a16="http://schemas.microsoft.com/office/drawing/2014/main" id="{88C3FA7B-0AC7-28B4-7F05-6A579DE90455}"/>
+                <a16:creationId xmlns:a16="http://schemas.microsoft.com/office/drawing/2014/main" id="{A3D63453-9BCB-86D6-7BE0-A72E5876645A}"/>
               </a:ext>
             </a:extLst>
           </p:cNvPr>
@@ -1396,7 +1396,7 @@
           <a:bodyPr/>
           <a:lstStyle/>
           <a:p>
-            <a:fld id="{857A73F0-8D91-44B3-91AC-0544D6A27246}" type="datetimeFigureOut">
+            <a:fld id="{1D325D40-C499-4238-9E21-3BFC5978748D}" type="datetimeFigureOut">
               <a:rPr lang="zh-CN" altLang="en-US" smtClean="0"/>
               <a:t>2024/3/10</a:t>
             </a:fld>
@@ -1409,7 +1409,7 @@
           <p:cNvPr id="6" name="页脚占位符 5">
             <a:extLst>
               <a:ext uri="{FF2B5EF4-FFF2-40B4-BE49-F238E27FC236}">
-                <a16:creationId xmlns:a16="http://schemas.microsoft.com/office/drawing/2014/main" id="{E01DCFDB-DCF8-D947-8461-2F5B9DEBF027}"/>
+                <a16:creationId xmlns:a16="http://schemas.microsoft.com/office/drawing/2014/main" id="{B2899E9F-76E2-591E-63C8-521F9BEA7079}"/>
               </a:ext>
             </a:extLst>
           </p:cNvPr>
@@ -1434,7 +1434,7 @@
           <p:cNvPr id="7" name="灯片编号占位符 6">
             <a:extLst>
               <a:ext uri="{FF2B5EF4-FFF2-40B4-BE49-F238E27FC236}">
-                <a16:creationId xmlns:a16="http://schemas.microsoft.com/office/drawing/2014/main" id="{280E3A8D-365D-EB5E-7F4D-F7B0FA2B2196}"/>
+                <a16:creationId xmlns:a16="http://schemas.microsoft.com/office/drawing/2014/main" id="{083434A5-AAA9-75BE-27F0-37B418BAD797}"/>
               </a:ext>
             </a:extLst>
           </p:cNvPr>
@@ -1450,7 +1450,7 @@
           <a:bodyPr/>
           <a:lstStyle/>
           <a:p>
-            <a:fld id="{1724B91A-F90F-4EEF-94AC-37751F5DDAEE}" type="slidenum">
+            <a:fld id="{10C0C3D5-36C8-46F8-91C2-335CA769444F}" type="slidenum">
               <a:rPr lang="zh-CN" altLang="en-US" smtClean="0"/>
               <a:t>‹#›</a:t>
             </a:fld>
@@ -1461,7 +1461,7 @@
     </p:spTree>
     <p:extLst>
       <p:ext uri="{BB962C8B-B14F-4D97-AF65-F5344CB8AC3E}">
-        <p14:creationId xmlns:p14="http://schemas.microsoft.com/office/powerpoint/2010/main" val="1084598889"/>
+        <p14:creationId xmlns:p14="http://schemas.microsoft.com/office/powerpoint/2010/main" val="1444391475"/>
       </p:ext>
     </p:extLst>
   </p:cSld>
@@ -1493,7 +1493,7 @@
           <p:cNvPr id="2" name="标题 1">
             <a:extLst>
               <a:ext uri="{FF2B5EF4-FFF2-40B4-BE49-F238E27FC236}">
-                <a16:creationId xmlns:a16="http://schemas.microsoft.com/office/drawing/2014/main" id="{23565E13-D5DF-9A5A-12A8-93388897197E}"/>
+                <a16:creationId xmlns:a16="http://schemas.microsoft.com/office/drawing/2014/main" id="{2781A723-BA79-FFBA-7CD1-D1DF63D9AD57}"/>
               </a:ext>
             </a:extLst>
           </p:cNvPr>
@@ -1526,7 +1526,7 @@
           <p:cNvPr id="3" name="文本占位符 2">
             <a:extLst>
               <a:ext uri="{FF2B5EF4-FFF2-40B4-BE49-F238E27FC236}">
-                <a16:creationId xmlns:a16="http://schemas.microsoft.com/office/drawing/2014/main" id="{CFB22EE6-182B-44EA-242B-0A064D47D675}"/>
+                <a16:creationId xmlns:a16="http://schemas.microsoft.com/office/drawing/2014/main" id="{86AEBDE6-03A2-B9BC-FAB8-1FC341EFAD92}"/>
               </a:ext>
             </a:extLst>
           </p:cNvPr>
@@ -1597,7 +1597,7 @@
           <p:cNvPr id="4" name="内容占位符 3">
             <a:extLst>
               <a:ext uri="{FF2B5EF4-FFF2-40B4-BE49-F238E27FC236}">
-                <a16:creationId xmlns:a16="http://schemas.microsoft.com/office/drawing/2014/main" id="{D19D4628-E627-4CBB-7F63-FC8021B3FED7}"/>
+                <a16:creationId xmlns:a16="http://schemas.microsoft.com/office/drawing/2014/main" id="{40D4A80C-8C63-788A-4371-F23971712BC8}"/>
               </a:ext>
             </a:extLst>
           </p:cNvPr>
@@ -1659,7 +1659,7 @@
           <p:cNvPr id="5" name="文本占位符 4">
             <a:extLst>
               <a:ext uri="{FF2B5EF4-FFF2-40B4-BE49-F238E27FC236}">
-                <a16:creationId xmlns:a16="http://schemas.microsoft.com/office/drawing/2014/main" id="{60E4309B-7465-D600-3DF8-2198C5CDA354}"/>
+                <a16:creationId xmlns:a16="http://schemas.microsoft.com/office/drawing/2014/main" id="{270E38C0-61EA-032F-FB9D-D46D8AB1C918}"/>
               </a:ext>
             </a:extLst>
           </p:cNvPr>
@@ -1730,7 +1730,7 @@
           <p:cNvPr id="6" name="内容占位符 5">
             <a:extLst>
               <a:ext uri="{FF2B5EF4-FFF2-40B4-BE49-F238E27FC236}">
-                <a16:creationId xmlns:a16="http://schemas.microsoft.com/office/drawing/2014/main" id="{499FA86E-4F5B-822D-0271-3E82940AD248}"/>
+                <a16:creationId xmlns:a16="http://schemas.microsoft.com/office/drawing/2014/main" id="{FF8B319E-815F-BB67-B88D-672BE61E9563}"/>
               </a:ext>
             </a:extLst>
           </p:cNvPr>
@@ -1792,7 +1792,7 @@
           <p:cNvPr id="7" name="日期占位符 6">
             <a:extLst>
               <a:ext uri="{FF2B5EF4-FFF2-40B4-BE49-F238E27FC236}">
-                <a16:creationId xmlns:a16="http://schemas.microsoft.com/office/drawing/2014/main" id="{1F56F5A7-D99F-01EA-19D3-CF82F6CA52A7}"/>
+                <a16:creationId xmlns:a16="http://schemas.microsoft.com/office/drawing/2014/main" id="{560B7702-A911-3604-7FFE-56A2C0490AB5}"/>
               </a:ext>
             </a:extLst>
           </p:cNvPr>
@@ -1808,7 +1808,7 @@
           <a:bodyPr/>
           <a:lstStyle/>
           <a:p>
-            <a:fld id="{857A73F0-8D91-44B3-91AC-0544D6A27246}" type="datetimeFigureOut">
+            <a:fld id="{1D325D40-C499-4238-9E21-3BFC5978748D}" type="datetimeFigureOut">
               <a:rPr lang="zh-CN" altLang="en-US" smtClean="0"/>
               <a:t>2024/3/10</a:t>
             </a:fld>
@@ -1821,7 +1821,7 @@
           <p:cNvPr id="8" name="页脚占位符 7">
             <a:extLst>
               <a:ext uri="{FF2B5EF4-FFF2-40B4-BE49-F238E27FC236}">
-                <a16:creationId xmlns:a16="http://schemas.microsoft.com/office/drawing/2014/main" id="{1FCB3A4B-0217-7CE8-9032-462CD519F1FE}"/>
+                <a16:creationId xmlns:a16="http://schemas.microsoft.com/office/drawing/2014/main" id="{62F19A31-4A47-FD5E-36A3-1BAA73E45B2F}"/>
               </a:ext>
             </a:extLst>
           </p:cNvPr>
@@ -1846,7 +1846,7 @@
           <p:cNvPr id="9" name="灯片编号占位符 8">
             <a:extLst>
               <a:ext uri="{FF2B5EF4-FFF2-40B4-BE49-F238E27FC236}">
-                <a16:creationId xmlns:a16="http://schemas.microsoft.com/office/drawing/2014/main" id="{383C26A2-5CC0-197E-9BFE-E115F5E71B41}"/>
+                <a16:creationId xmlns:a16="http://schemas.microsoft.com/office/drawing/2014/main" id="{2A8A43D2-2EB3-30FF-2945-CA559DD4F5A6}"/>
               </a:ext>
             </a:extLst>
           </p:cNvPr>
@@ -1862,7 +1862,7 @@
           <a:bodyPr/>
           <a:lstStyle/>
           <a:p>
-            <a:fld id="{1724B91A-F90F-4EEF-94AC-37751F5DDAEE}" type="slidenum">
+            <a:fld id="{10C0C3D5-36C8-46F8-91C2-335CA769444F}" type="slidenum">
               <a:rPr lang="zh-CN" altLang="en-US" smtClean="0"/>
               <a:t>‹#›</a:t>
             </a:fld>
@@ -1873,7 +1873,7 @@
     </p:spTree>
     <p:extLst>
       <p:ext uri="{BB962C8B-B14F-4D97-AF65-F5344CB8AC3E}">
-        <p14:creationId xmlns:p14="http://schemas.microsoft.com/office/powerpoint/2010/main" val="2451171088"/>
+        <p14:creationId xmlns:p14="http://schemas.microsoft.com/office/powerpoint/2010/main" val="1662838696"/>
       </p:ext>
     </p:extLst>
   </p:cSld>
@@ -1905,7 +1905,7 @@
           <p:cNvPr id="2" name="标题 1">
             <a:extLst>
               <a:ext uri="{FF2B5EF4-FFF2-40B4-BE49-F238E27FC236}">
-                <a16:creationId xmlns:a16="http://schemas.microsoft.com/office/drawing/2014/main" id="{F3E076B1-A3AA-1272-894D-B354260E0F89}"/>
+                <a16:creationId xmlns:a16="http://schemas.microsoft.com/office/drawing/2014/main" id="{DEEBAB85-AC98-C20A-EEC6-D2628D4FF355}"/>
               </a:ext>
             </a:extLst>
           </p:cNvPr>
@@ -1933,7 +1933,7 @@
           <p:cNvPr id="3" name="日期占位符 2">
             <a:extLst>
               <a:ext uri="{FF2B5EF4-FFF2-40B4-BE49-F238E27FC236}">
-                <a16:creationId xmlns:a16="http://schemas.microsoft.com/office/drawing/2014/main" id="{6BFE3F06-F4F6-E60D-0C19-709A18C37652}"/>
+                <a16:creationId xmlns:a16="http://schemas.microsoft.com/office/drawing/2014/main" id="{586A9150-760C-9173-7262-BA2636A4CF62}"/>
               </a:ext>
             </a:extLst>
           </p:cNvPr>
@@ -1949,7 +1949,7 @@
           <a:bodyPr/>
           <a:lstStyle/>
           <a:p>
-            <a:fld id="{857A73F0-8D91-44B3-91AC-0544D6A27246}" type="datetimeFigureOut">
+            <a:fld id="{1D325D40-C499-4238-9E21-3BFC5978748D}" type="datetimeFigureOut">
               <a:rPr lang="zh-CN" altLang="en-US" smtClean="0"/>
               <a:t>2024/3/10</a:t>
             </a:fld>
@@ -1962,7 +1962,7 @@
           <p:cNvPr id="4" name="页脚占位符 3">
             <a:extLst>
               <a:ext uri="{FF2B5EF4-FFF2-40B4-BE49-F238E27FC236}">
-                <a16:creationId xmlns:a16="http://schemas.microsoft.com/office/drawing/2014/main" id="{132F5049-09D1-A954-B71E-9FFA27691400}"/>
+                <a16:creationId xmlns:a16="http://schemas.microsoft.com/office/drawing/2014/main" id="{474AFC18-3C12-16C2-A1A5-201ADFFE6D0D}"/>
               </a:ext>
             </a:extLst>
           </p:cNvPr>
@@ -1987,7 +1987,7 @@
           <p:cNvPr id="5" name="灯片编号占位符 4">
             <a:extLst>
               <a:ext uri="{FF2B5EF4-FFF2-40B4-BE49-F238E27FC236}">
-                <a16:creationId xmlns:a16="http://schemas.microsoft.com/office/drawing/2014/main" id="{BE2EF55B-7373-9E56-7519-FE98C68A1255}"/>
+                <a16:creationId xmlns:a16="http://schemas.microsoft.com/office/drawing/2014/main" id="{3B394527-3898-055F-A6E2-42150CEEC61D}"/>
               </a:ext>
             </a:extLst>
           </p:cNvPr>
@@ -2003,7 +2003,7 @@
           <a:bodyPr/>
           <a:lstStyle/>
           <a:p>
-            <a:fld id="{1724B91A-F90F-4EEF-94AC-37751F5DDAEE}" type="slidenum">
+            <a:fld id="{10C0C3D5-36C8-46F8-91C2-335CA769444F}" type="slidenum">
               <a:rPr lang="zh-CN" altLang="en-US" smtClean="0"/>
               <a:t>‹#›</a:t>
             </a:fld>
@@ -2014,7 +2014,7 @@
     </p:spTree>
     <p:extLst>
       <p:ext uri="{BB962C8B-B14F-4D97-AF65-F5344CB8AC3E}">
-        <p14:creationId xmlns:p14="http://schemas.microsoft.com/office/powerpoint/2010/main" val="3224339287"/>
+        <p14:creationId xmlns:p14="http://schemas.microsoft.com/office/powerpoint/2010/main" val="214033858"/>
       </p:ext>
     </p:extLst>
   </p:cSld>
@@ -2046,7 +2046,7 @@
           <p:cNvPr id="2" name="日期占位符 1">
             <a:extLst>
               <a:ext uri="{FF2B5EF4-FFF2-40B4-BE49-F238E27FC236}">
-                <a16:creationId xmlns:a16="http://schemas.microsoft.com/office/drawing/2014/main" id="{B6686D1D-EC12-22E8-D8EC-D6B302FDA971}"/>
+                <a16:creationId xmlns:a16="http://schemas.microsoft.com/office/drawing/2014/main" id="{FC3BB932-A705-7604-5295-0E9873042BD5}"/>
               </a:ext>
             </a:extLst>
           </p:cNvPr>
@@ -2062,7 +2062,7 @@
           <a:bodyPr/>
           <a:lstStyle/>
           <a:p>
-            <a:fld id="{857A73F0-8D91-44B3-91AC-0544D6A27246}" type="datetimeFigureOut">
+            <a:fld id="{1D325D40-C499-4238-9E21-3BFC5978748D}" type="datetimeFigureOut">
               <a:rPr lang="zh-CN" altLang="en-US" smtClean="0"/>
               <a:t>2024/3/10</a:t>
             </a:fld>
@@ -2075,7 +2075,7 @@
           <p:cNvPr id="3" name="页脚占位符 2">
             <a:extLst>
               <a:ext uri="{FF2B5EF4-FFF2-40B4-BE49-F238E27FC236}">
-                <a16:creationId xmlns:a16="http://schemas.microsoft.com/office/drawing/2014/main" id="{CD2A9F4F-6D48-400E-66D7-91BBF8FC5C90}"/>
+                <a16:creationId xmlns:a16="http://schemas.microsoft.com/office/drawing/2014/main" id="{B6D1D18F-6CBD-E659-9FB5-E69BB7BC8D82}"/>
               </a:ext>
             </a:extLst>
           </p:cNvPr>
@@ -2100,7 +2100,7 @@
           <p:cNvPr id="4" name="灯片编号占位符 3">
             <a:extLst>
               <a:ext uri="{FF2B5EF4-FFF2-40B4-BE49-F238E27FC236}">
-                <a16:creationId xmlns:a16="http://schemas.microsoft.com/office/drawing/2014/main" id="{D067F4F5-BC17-D159-7063-72CAFBD2ED52}"/>
+                <a16:creationId xmlns:a16="http://schemas.microsoft.com/office/drawing/2014/main" id="{01B917EF-6276-9668-BCD4-3BF18597C086}"/>
               </a:ext>
             </a:extLst>
           </p:cNvPr>
@@ -2116,7 +2116,7 @@
           <a:bodyPr/>
           <a:lstStyle/>
           <a:p>
-            <a:fld id="{1724B91A-F90F-4EEF-94AC-37751F5DDAEE}" type="slidenum">
+            <a:fld id="{10C0C3D5-36C8-46F8-91C2-335CA769444F}" type="slidenum">
               <a:rPr lang="zh-CN" altLang="en-US" smtClean="0"/>
               <a:t>‹#›</a:t>
             </a:fld>
@@ -2127,7 +2127,7 @@
     </p:spTree>
     <p:extLst>
       <p:ext uri="{BB962C8B-B14F-4D97-AF65-F5344CB8AC3E}">
-        <p14:creationId xmlns:p14="http://schemas.microsoft.com/office/powerpoint/2010/main" val="4011227991"/>
+        <p14:creationId xmlns:p14="http://schemas.microsoft.com/office/powerpoint/2010/main" val="3709200555"/>
       </p:ext>
     </p:extLst>
   </p:cSld>
@@ -2159,7 +2159,7 @@
           <p:cNvPr id="2" name="标题 1">
             <a:extLst>
               <a:ext uri="{FF2B5EF4-FFF2-40B4-BE49-F238E27FC236}">
-                <a16:creationId xmlns:a16="http://schemas.microsoft.com/office/drawing/2014/main" id="{15BBD27E-B417-E270-2D93-4680950219CC}"/>
+                <a16:creationId xmlns:a16="http://schemas.microsoft.com/office/drawing/2014/main" id="{7EEE455A-E597-6686-057E-F18011D2C4FA}"/>
               </a:ext>
             </a:extLst>
           </p:cNvPr>
@@ -2196,7 +2196,7 @@
           <p:cNvPr id="3" name="内容占位符 2">
             <a:extLst>
               <a:ext uri="{FF2B5EF4-FFF2-40B4-BE49-F238E27FC236}">
-                <a16:creationId xmlns:a16="http://schemas.microsoft.com/office/drawing/2014/main" id="{6FBF3165-0625-0BA0-EB84-7CB873CF4B44}"/>
+                <a16:creationId xmlns:a16="http://schemas.microsoft.com/office/drawing/2014/main" id="{E374E223-6586-15C3-3C16-4A241A29AF25}"/>
               </a:ext>
             </a:extLst>
           </p:cNvPr>
@@ -2286,7 +2286,7 @@
           <p:cNvPr id="4" name="文本占位符 3">
             <a:extLst>
               <a:ext uri="{FF2B5EF4-FFF2-40B4-BE49-F238E27FC236}">
-                <a16:creationId xmlns:a16="http://schemas.microsoft.com/office/drawing/2014/main" id="{0F623A2C-64D8-70C6-5A5F-7F8AD4EEF868}"/>
+                <a16:creationId xmlns:a16="http://schemas.microsoft.com/office/drawing/2014/main" id="{D66A2EF6-1ECE-2194-B3FB-A15F7CC6EB0A}"/>
               </a:ext>
             </a:extLst>
           </p:cNvPr>
@@ -2357,7 +2357,7 @@
           <p:cNvPr id="5" name="日期占位符 4">
             <a:extLst>
               <a:ext uri="{FF2B5EF4-FFF2-40B4-BE49-F238E27FC236}">
-                <a16:creationId xmlns:a16="http://schemas.microsoft.com/office/drawing/2014/main" id="{CB74C2F3-D970-9A2F-FF07-02896A3C1DBD}"/>
+                <a16:creationId xmlns:a16="http://schemas.microsoft.com/office/drawing/2014/main" id="{DDED4230-D644-F6E0-F656-0F5B0C6EF612}"/>
               </a:ext>
             </a:extLst>
           </p:cNvPr>
@@ -2373,7 +2373,7 @@
           <a:bodyPr/>
           <a:lstStyle/>
           <a:p>
-            <a:fld id="{857A73F0-8D91-44B3-91AC-0544D6A27246}" type="datetimeFigureOut">
+            <a:fld id="{1D325D40-C499-4238-9E21-3BFC5978748D}" type="datetimeFigureOut">
               <a:rPr lang="zh-CN" altLang="en-US" smtClean="0"/>
               <a:t>2024/3/10</a:t>
             </a:fld>
@@ -2386,7 +2386,7 @@
           <p:cNvPr id="6" name="页脚占位符 5">
             <a:extLst>
               <a:ext uri="{FF2B5EF4-FFF2-40B4-BE49-F238E27FC236}">
-                <a16:creationId xmlns:a16="http://schemas.microsoft.com/office/drawing/2014/main" id="{BA95833F-C8E9-45B6-650C-63D7AF30B399}"/>
+                <a16:creationId xmlns:a16="http://schemas.microsoft.com/office/drawing/2014/main" id="{4BC2FC9B-1BD0-A5B2-E04F-9973F5BF0454}"/>
               </a:ext>
             </a:extLst>
           </p:cNvPr>
@@ -2411,7 +2411,7 @@
           <p:cNvPr id="7" name="灯片编号占位符 6">
             <a:extLst>
               <a:ext uri="{FF2B5EF4-FFF2-40B4-BE49-F238E27FC236}">
-                <a16:creationId xmlns:a16="http://schemas.microsoft.com/office/drawing/2014/main" id="{30F9CE62-EED5-2BE6-A34A-10E9530254CA}"/>
+                <a16:creationId xmlns:a16="http://schemas.microsoft.com/office/drawing/2014/main" id="{1C577F6C-1992-1E4E-B989-3356940F5251}"/>
               </a:ext>
             </a:extLst>
           </p:cNvPr>
@@ -2427,7 +2427,7 @@
           <a:bodyPr/>
           <a:lstStyle/>
           <a:p>
-            <a:fld id="{1724B91A-F90F-4EEF-94AC-37751F5DDAEE}" type="slidenum">
+            <a:fld id="{10C0C3D5-36C8-46F8-91C2-335CA769444F}" type="slidenum">
               <a:rPr lang="zh-CN" altLang="en-US" smtClean="0"/>
               <a:t>‹#›</a:t>
             </a:fld>
@@ -2438,7 +2438,7 @@
     </p:spTree>
     <p:extLst>
       <p:ext uri="{BB962C8B-B14F-4D97-AF65-F5344CB8AC3E}">
-        <p14:creationId xmlns:p14="http://schemas.microsoft.com/office/powerpoint/2010/main" val="1802130321"/>
+        <p14:creationId xmlns:p14="http://schemas.microsoft.com/office/powerpoint/2010/main" val="4019089318"/>
       </p:ext>
     </p:extLst>
   </p:cSld>
@@ -2470,7 +2470,7 @@
           <p:cNvPr id="2" name="标题 1">
             <a:extLst>
               <a:ext uri="{FF2B5EF4-FFF2-40B4-BE49-F238E27FC236}">
-                <a16:creationId xmlns:a16="http://schemas.microsoft.com/office/drawing/2014/main" id="{749B1094-B32B-9285-359D-D11CCF0BCBDF}"/>
+                <a16:creationId xmlns:a16="http://schemas.microsoft.com/office/drawing/2014/main" id="{389E12BC-9406-41E8-82CB-371015193A80}"/>
               </a:ext>
             </a:extLst>
           </p:cNvPr>
@@ -2507,7 +2507,7 @@
           <p:cNvPr id="3" name="图片占位符 2">
             <a:extLst>
               <a:ext uri="{FF2B5EF4-FFF2-40B4-BE49-F238E27FC236}">
-                <a16:creationId xmlns:a16="http://schemas.microsoft.com/office/drawing/2014/main" id="{474491C3-0C9B-1DE3-6C8D-F04F65B7E8B1}"/>
+                <a16:creationId xmlns:a16="http://schemas.microsoft.com/office/drawing/2014/main" id="{D6491439-2E73-BAD1-3E36-AA8A12CEAC59}"/>
               </a:ext>
             </a:extLst>
           </p:cNvPr>
@@ -2574,7 +2574,7 @@
           <p:cNvPr id="4" name="文本占位符 3">
             <a:extLst>
               <a:ext uri="{FF2B5EF4-FFF2-40B4-BE49-F238E27FC236}">
-                <a16:creationId xmlns:a16="http://schemas.microsoft.com/office/drawing/2014/main" id="{2CCBC1E6-61ED-5EAA-0E0E-631CF6AD427E}"/>
+                <a16:creationId xmlns:a16="http://schemas.microsoft.com/office/drawing/2014/main" id="{A66DBC78-D1BB-8ACF-47C7-C1B8391CA534}"/>
               </a:ext>
             </a:extLst>
           </p:cNvPr>
@@ -2645,7 +2645,7 @@
           <p:cNvPr id="5" name="日期占位符 4">
             <a:extLst>
               <a:ext uri="{FF2B5EF4-FFF2-40B4-BE49-F238E27FC236}">
-                <a16:creationId xmlns:a16="http://schemas.microsoft.com/office/drawing/2014/main" id="{4950EFFE-71E0-2BE9-771C-16BF8972FDDA}"/>
+                <a16:creationId xmlns:a16="http://schemas.microsoft.com/office/drawing/2014/main" id="{C7EEC649-8C57-858F-2C75-C2CB2EAF9E34}"/>
               </a:ext>
             </a:extLst>
           </p:cNvPr>
@@ -2661,7 +2661,7 @@
           <a:bodyPr/>
           <a:lstStyle/>
           <a:p>
-            <a:fld id="{857A73F0-8D91-44B3-91AC-0544D6A27246}" type="datetimeFigureOut">
+            <a:fld id="{1D325D40-C499-4238-9E21-3BFC5978748D}" type="datetimeFigureOut">
               <a:rPr lang="zh-CN" altLang="en-US" smtClean="0"/>
               <a:t>2024/3/10</a:t>
             </a:fld>
@@ -2674,7 +2674,7 @@
           <p:cNvPr id="6" name="页脚占位符 5">
             <a:extLst>
               <a:ext uri="{FF2B5EF4-FFF2-40B4-BE49-F238E27FC236}">
-                <a16:creationId xmlns:a16="http://schemas.microsoft.com/office/drawing/2014/main" id="{367FC9F0-4802-B652-6830-81D4C0130A25}"/>
+                <a16:creationId xmlns:a16="http://schemas.microsoft.com/office/drawing/2014/main" id="{426B7D1D-1224-B450-E00A-C59D47760458}"/>
               </a:ext>
             </a:extLst>
           </p:cNvPr>
@@ -2699,7 +2699,7 @@
           <p:cNvPr id="7" name="灯片编号占位符 6">
             <a:extLst>
               <a:ext uri="{FF2B5EF4-FFF2-40B4-BE49-F238E27FC236}">
-                <a16:creationId xmlns:a16="http://schemas.microsoft.com/office/drawing/2014/main" id="{6CDC45CB-BC39-E221-EEB5-A814E5BEF664}"/>
+                <a16:creationId xmlns:a16="http://schemas.microsoft.com/office/drawing/2014/main" id="{6BCCBFAE-3A1A-8E6C-38C2-8BD4CC0311F8}"/>
               </a:ext>
             </a:extLst>
           </p:cNvPr>
@@ -2715,7 +2715,7 @@
           <a:bodyPr/>
           <a:lstStyle/>
           <a:p>
-            <a:fld id="{1724B91A-F90F-4EEF-94AC-37751F5DDAEE}" type="slidenum">
+            <a:fld id="{10C0C3D5-36C8-46F8-91C2-335CA769444F}" type="slidenum">
               <a:rPr lang="zh-CN" altLang="en-US" smtClean="0"/>
               <a:t>‹#›</a:t>
             </a:fld>
@@ -2726,7 +2726,7 @@
     </p:spTree>
     <p:extLst>
       <p:ext uri="{BB962C8B-B14F-4D97-AF65-F5344CB8AC3E}">
-        <p14:creationId xmlns:p14="http://schemas.microsoft.com/office/powerpoint/2010/main" val="3718478880"/>
+        <p14:creationId xmlns:p14="http://schemas.microsoft.com/office/powerpoint/2010/main" val="586555136"/>
       </p:ext>
     </p:extLst>
   </p:cSld>
@@ -2763,7 +2763,7 @@
           <p:cNvPr id="2" name="标题占位符 1">
             <a:extLst>
               <a:ext uri="{FF2B5EF4-FFF2-40B4-BE49-F238E27FC236}">
-                <a16:creationId xmlns:a16="http://schemas.microsoft.com/office/drawing/2014/main" id="{3700DF4B-7DB3-DE4E-48B4-00D15EBE16C9}"/>
+                <a16:creationId xmlns:a16="http://schemas.microsoft.com/office/drawing/2014/main" id="{3CAF7E78-9C69-CA20-BA89-08D6C13D11DF}"/>
               </a:ext>
             </a:extLst>
           </p:cNvPr>
@@ -2801,7 +2801,7 @@
           <p:cNvPr id="3" name="文本占位符 2">
             <a:extLst>
               <a:ext uri="{FF2B5EF4-FFF2-40B4-BE49-F238E27FC236}">
-                <a16:creationId xmlns:a16="http://schemas.microsoft.com/office/drawing/2014/main" id="{B966C571-98A4-8CC8-1519-BCCF75002AD6}"/>
+                <a16:creationId xmlns:a16="http://schemas.microsoft.com/office/drawing/2014/main" id="{6E722761-2A2F-6BAB-4F98-78413B8EF69B}"/>
               </a:ext>
             </a:extLst>
           </p:cNvPr>
@@ -2868,7 +2868,7 @@
           <p:cNvPr id="4" name="日期占位符 3">
             <a:extLst>
               <a:ext uri="{FF2B5EF4-FFF2-40B4-BE49-F238E27FC236}">
-                <a16:creationId xmlns:a16="http://schemas.microsoft.com/office/drawing/2014/main" id="{163A9989-76A4-8647-EA77-18BC45DF1789}"/>
+                <a16:creationId xmlns:a16="http://schemas.microsoft.com/office/drawing/2014/main" id="{7222342D-BCA5-6B52-C686-7971A38A583E}"/>
               </a:ext>
             </a:extLst>
           </p:cNvPr>
@@ -2902,7 +2902,7 @@
             </a:lvl1pPr>
           </a:lstStyle>
           <a:p>
-            <a:fld id="{857A73F0-8D91-44B3-91AC-0544D6A27246}" type="datetimeFigureOut">
+            <a:fld id="{1D325D40-C499-4238-9E21-3BFC5978748D}" type="datetimeFigureOut">
               <a:rPr lang="zh-CN" altLang="en-US" smtClean="0"/>
               <a:t>2024/3/10</a:t>
             </a:fld>
@@ -2915,7 +2915,7 @@
           <p:cNvPr id="5" name="页脚占位符 4">
             <a:extLst>
               <a:ext uri="{FF2B5EF4-FFF2-40B4-BE49-F238E27FC236}">
-                <a16:creationId xmlns:a16="http://schemas.microsoft.com/office/drawing/2014/main" id="{AD9EAB11-860A-5458-D8D0-0BE37DF5354D}"/>
+                <a16:creationId xmlns:a16="http://schemas.microsoft.com/office/drawing/2014/main" id="{60F3F68F-ECFF-1A2A-FF12-9DB8C0BC80E3}"/>
               </a:ext>
             </a:extLst>
           </p:cNvPr>
@@ -2958,7 +2958,7 @@
           <p:cNvPr id="6" name="灯片编号占位符 5">
             <a:extLst>
               <a:ext uri="{FF2B5EF4-FFF2-40B4-BE49-F238E27FC236}">
-                <a16:creationId xmlns:a16="http://schemas.microsoft.com/office/drawing/2014/main" id="{9F16BBD9-456A-2827-29D1-BA830F33A2CC}"/>
+                <a16:creationId xmlns:a16="http://schemas.microsoft.com/office/drawing/2014/main" id="{83320C68-DE8A-F58E-6709-BB1505B63CFE}"/>
               </a:ext>
             </a:extLst>
           </p:cNvPr>
@@ -2992,7 +2992,7 @@
             </a:lvl1pPr>
           </a:lstStyle>
           <a:p>
-            <a:fld id="{1724B91A-F90F-4EEF-94AC-37751F5DDAEE}" type="slidenum">
+            <a:fld id="{10C0C3D5-36C8-46F8-91C2-335CA769444F}" type="slidenum">
               <a:rPr lang="zh-CN" altLang="en-US" smtClean="0"/>
               <a:t>‹#›</a:t>
             </a:fld>
@@ -3003,7 +3003,7 @@
     </p:spTree>
     <p:extLst>
       <p:ext uri="{BB962C8B-B14F-4D97-AF65-F5344CB8AC3E}">
-        <p14:creationId xmlns:p14="http://schemas.microsoft.com/office/powerpoint/2010/main" val="2501090312"/>
+        <p14:creationId xmlns:p14="http://schemas.microsoft.com/office/powerpoint/2010/main" val="2254225594"/>
       </p:ext>
     </p:extLst>
   </p:cSld>
@@ -3323,7 +3323,7 @@
       </p:grpSpPr>
       <p:pic>
         <p:nvPicPr>
-          <p:cNvPr id="1142786" name="Picture 2" descr="1115"/>
+          <p:cNvPr id="1143810" name="Picture 2" descr="1116"/>
           <p:cNvPicPr>
             <a:picLocks noChangeAspect="1" noChangeArrowheads="1"/>
           </p:cNvPicPr>
@@ -3344,8 +3344,8 @@
         </p:blipFill>
         <p:spPr bwMode="auto">
           <a:xfrm>
-            <a:off x="1524000" y="0"/>
-            <a:ext cx="9144000" cy="6858000"/>
+            <a:off x="1524000" y="1"/>
+            <a:ext cx="9144000" cy="6308725"/>
           </a:xfrm>
           <a:prstGeom prst="rect">
             <a:avLst/>
